--- a/Diagrammes/PCB_diagramme.pptx
+++ b/Diagrammes/PCB_diagramme.pptx
@@ -168,7 +168,7 @@
           <a:lstStyle/>
           <a:p>
             <a:fld id="{638A57FC-E71B-4535-8442-9C07A6396E3B}" type="slidenum">
-              <a:t>‹#›</a:t>
+              <a:t>‹N°›</a:t>
             </a:fld>
             <a:endParaRPr/>
           </a:p>
@@ -387,7 +387,7 @@
           <a:lstStyle/>
           <a:p>
             <a:fld id="{D8D546A7-2D36-4E89-84F6-1BB86CE289E3}" type="slidenum">
-              <a:t>‹#›</a:t>
+              <a:t>‹N°›</a:t>
             </a:fld>
             <a:endParaRPr/>
           </a:p>
@@ -700,7 +700,7 @@
           <a:lstStyle/>
           <a:p>
             <a:fld id="{B5700210-E28A-462A-A73E-A9342603649D}" type="slidenum">
-              <a:t>‹#›</a:t>
+              <a:t>‹N°›</a:t>
             </a:fld>
             <a:endParaRPr/>
           </a:p>
@@ -1107,7 +1107,7 @@
           <a:lstStyle/>
           <a:p>
             <a:fld id="{C9A15BB5-2707-448C-9326-23C75041F2CA}" type="slidenum">
-              <a:t>‹#›</a:t>
+              <a:t>‹N°›</a:t>
             </a:fld>
             <a:endParaRPr/>
           </a:p>
@@ -1194,7 +1194,7 @@
           <a:lstStyle/>
           <a:p>
             <a:fld id="{7BE06107-3FED-487E-BBA9-DC7B5A6BDB70}" type="slidenum">
-              <a:t>‹#›</a:t>
+              <a:t>‹N°›</a:t>
             </a:fld>
             <a:endParaRPr/>
           </a:p>
@@ -1357,7 +1357,7 @@
           <a:lstStyle/>
           <a:p>
             <a:fld id="{E4331E47-D29C-4743-8CDB-C4A068D8A12D}" type="slidenum">
-              <a:t>‹#›</a:t>
+              <a:t>‹N°›</a:t>
             </a:fld>
             <a:endParaRPr/>
           </a:p>
@@ -1529,7 +1529,7 @@
           <a:lstStyle/>
           <a:p>
             <a:fld id="{5A07B405-015E-4327-9A29-57DAA3BBA198}" type="slidenum">
-              <a:t>‹#›</a:t>
+              <a:t>‹N°›</a:t>
             </a:fld>
             <a:endParaRPr/>
           </a:p>
@@ -1748,7 +1748,7 @@
           <a:lstStyle/>
           <a:p>
             <a:fld id="{A97C17CD-CB08-4E52-8F86-553756DC9D37}" type="slidenum">
-              <a:t>‹#›</a:t>
+              <a:t>‹N°›</a:t>
             </a:fld>
             <a:endParaRPr/>
           </a:p>
@@ -1873,7 +1873,7 @@
           <a:lstStyle/>
           <a:p>
             <a:fld id="{DCA8D056-40B4-48A7-855A-01CAB15B124C}" type="slidenum">
-              <a:t>‹#›</a:t>
+              <a:t>‹N°›</a:t>
             </a:fld>
             <a:endParaRPr/>
           </a:p>
@@ -1998,7 +1998,7 @@
           <a:lstStyle/>
           <a:p>
             <a:fld id="{B4286063-9F9A-4E70-8C40-F6462D75A73D}" type="slidenum">
-              <a:t>‹#›</a:t>
+              <a:t>‹N°›</a:t>
             </a:fld>
             <a:endParaRPr/>
           </a:p>
@@ -2264,7 +2264,7 @@
           <a:lstStyle/>
           <a:p>
             <a:fld id="{5DD1C56B-999E-4ED5-8F64-45A00EA0B560}" type="slidenum">
-              <a:t>‹#›</a:t>
+              <a:t>‹N°›</a:t>
             </a:fld>
             <a:endParaRPr/>
           </a:p>
@@ -2427,7 +2427,7 @@
           <a:lstStyle/>
           <a:p>
             <a:fld id="{EF953BA6-F959-4829-8C79-BFA0D7A8012B}" type="slidenum">
-              <a:t>‹#›</a:t>
+              <a:t>‹N°›</a:t>
             </a:fld>
             <a:endParaRPr/>
           </a:p>
@@ -2693,7 +2693,7 @@
           <a:lstStyle/>
           <a:p>
             <a:fld id="{BCD8E1FD-DA74-47C3-A1F7-84FBA52F1837}" type="slidenum">
-              <a:t>‹#›</a:t>
+              <a:t>‹N°›</a:t>
             </a:fld>
             <a:endParaRPr/>
           </a:p>
@@ -2959,7 +2959,7 @@
           <a:lstStyle/>
           <a:p>
             <a:fld id="{687A4AED-8147-48D6-91C3-62274C83495B}" type="slidenum">
-              <a:t>‹#›</a:t>
+              <a:t>‹N°›</a:t>
             </a:fld>
             <a:endParaRPr/>
           </a:p>
@@ -3178,7 +3178,7 @@
           <a:lstStyle/>
           <a:p>
             <a:fld id="{88B831FF-39F7-4B3A-9324-A9CAA01ECFE2}" type="slidenum">
-              <a:t>‹#›</a:t>
+              <a:t>‹N°›</a:t>
             </a:fld>
             <a:endParaRPr/>
           </a:p>
@@ -3491,7 +3491,7 @@
           <a:lstStyle/>
           <a:p>
             <a:fld id="{4B69B343-173F-4BC1-8BDE-8D36531147BD}" type="slidenum">
-              <a:t>‹#›</a:t>
+              <a:t>‹N°›</a:t>
             </a:fld>
             <a:endParaRPr/>
           </a:p>
@@ -3898,7 +3898,7 @@
           <a:lstStyle/>
           <a:p>
             <a:fld id="{33EAD20D-7D31-49D6-9BD6-50949CFD737E}" type="slidenum">
-              <a:t>‹#›</a:t>
+              <a:t>‹N°›</a:t>
             </a:fld>
             <a:endParaRPr/>
           </a:p>
@@ -4070,7 +4070,7 @@
           <a:lstStyle/>
           <a:p>
             <a:fld id="{BC189BB0-4366-42EE-BBA5-235607F1C6B1}" type="slidenum">
-              <a:t>‹#›</a:t>
+              <a:t>‹N°›</a:t>
             </a:fld>
             <a:endParaRPr/>
           </a:p>
@@ -4289,7 +4289,7 @@
           <a:lstStyle/>
           <a:p>
             <a:fld id="{949F13CE-FA77-48BD-BC92-434AE6192A6F}" type="slidenum">
-              <a:t>‹#›</a:t>
+              <a:t>‹N°›</a:t>
             </a:fld>
             <a:endParaRPr/>
           </a:p>
@@ -4414,7 +4414,7 @@
           <a:lstStyle/>
           <a:p>
             <a:fld id="{CEC7169C-C478-4E39-A97E-833FCAD2E44D}" type="slidenum">
-              <a:t>‹#›</a:t>
+              <a:t>‹N°›</a:t>
             </a:fld>
             <a:endParaRPr/>
           </a:p>
@@ -4539,7 +4539,7 @@
           <a:lstStyle/>
           <a:p>
             <a:fld id="{6942F9B3-25F7-4C6E-A1ED-19DDF73D505C}" type="slidenum">
-              <a:t>‹#›</a:t>
+              <a:t>‹N°›</a:t>
             </a:fld>
             <a:endParaRPr/>
           </a:p>
@@ -4805,7 +4805,7 @@
           <a:lstStyle/>
           <a:p>
             <a:fld id="{ED2362A0-6302-4F1A-A239-F12478B5F133}" type="slidenum">
-              <a:t>‹#›</a:t>
+              <a:t>‹N°›</a:t>
             </a:fld>
             <a:endParaRPr/>
           </a:p>
@@ -5071,7 +5071,7 @@
           <a:lstStyle/>
           <a:p>
             <a:fld id="{4688E6FA-8837-4B3F-A819-90760160B694}" type="slidenum">
-              <a:t>‹#›</a:t>
+              <a:t>‹N°›</a:t>
             </a:fld>
             <a:endParaRPr/>
           </a:p>
@@ -5337,7 +5337,7 @@
           <a:lstStyle/>
           <a:p>
             <a:fld id="{F922A260-BCE4-4080-9543-7F53B42FEFBC}" type="slidenum">
-              <a:t>‹#›</a:t>
+              <a:t>‹N°›</a:t>
             </a:fld>
             <a:endParaRPr/>
           </a:p>
@@ -5614,7 +5614,7 @@
                 </a:solidFill>
                 <a:latin typeface="Calibri"/>
               </a:rPr>
-              <a:t>‹#›</a:t>
+              <a:t>‹N°›</a:t>
             </a:fld>
             <a:endParaRPr lang="en-US" sz="1200" b="0" strike="noStrike" spc="-1">
               <a:latin typeface="Times New Roman"/>
@@ -6551,7 +6551,7 @@
                 </a:solidFill>
                 <a:latin typeface="Calibri"/>
               </a:rPr>
-              <a:t>‹#›</a:t>
+              <a:t>‹N°›</a:t>
             </a:fld>
             <a:endParaRPr lang="en-US" sz="1200" b="0" strike="noStrike" spc="-1">
               <a:latin typeface="Times New Roman"/>
@@ -10076,7 +10076,7 @@
             </p:txBody>
           </p:sp>
         </mc:Choice>
-        <mc:Fallback xmlns="" xmlns:p14="http://schemas.microsoft.com/office/powerpoint/2010/main" xmlns:p15="http://schemas.microsoft.com/office/powerpoint/2012/main"/>
+        <mc:Fallback xmlns:p15="http://schemas.microsoft.com/office/powerpoint/2012/main" xmlns:p14="http://schemas.microsoft.com/office/powerpoint/2010/main" xmlns=""/>
       </mc:AlternateContent>
       <p:sp>
         <p:nvSpPr>
@@ -12763,7 +12763,7 @@
         <p:spPr>
           <a:xfrm>
             <a:off x="9115920" y="4612320"/>
-            <a:ext cx="1456920" cy="363960"/>
+            <a:ext cx="1456920" cy="367878"/>
           </a:xfrm>
           <a:prstGeom prst="rect">
             <a:avLst/>
@@ -12798,15 +12798,15 @@
               <a:buNone/>
             </a:pPr>
             <a:r>
-              <a:rPr lang="fr-FR" sz="1800" b="0" strike="noStrike" spc="-1">
+              <a:rPr lang="fr-FR" sz="1800" b="0" strike="noStrike" spc="-1" dirty="0">
                 <a:solidFill>
                   <a:srgbClr val="000000"/>
                 </a:solidFill>
                 <a:latin typeface="Calibri"/>
               </a:rPr>
-              <a:t>MOFSET</a:t>
+              <a:t>MOSFET</a:t>
             </a:r>
-            <a:endParaRPr lang="en-US" sz="1800" b="0" strike="noStrike" spc="-1">
+            <a:endParaRPr lang="en-US" sz="1800" b="0" strike="noStrike" spc="-1" dirty="0">
               <a:latin typeface="Arial"/>
             </a:endParaRPr>
           </a:p>
